--- a/ppt 16-9/1441.看哪！神的帐.pptx
+++ b/ppt 16-9/1441.看哪！神的帐.pptx
@@ -5,7 +5,7 @@
     <p:sldMasterId id="2147483648" r:id="rId1"/>
   </p:sldMasterIdLst>
   <p:sldIdLst>
-    <p:sldId id="1012" r:id="rId2"/>
+    <p:sldId id="1013" r:id="rId2"/>
   </p:sldIdLst>
   <p:sldSz cx="12192000" cy="6858000"/>
   <p:notesSz cx="6858000" cy="9144000"/>
@@ -129,7 +129,7 @@
           <p:cNvPr id="2" name="标题 1">
             <a:extLst>
               <a:ext uri="{FF2B5EF4-FFF2-40B4-BE49-F238E27FC236}">
-                <a16:creationId xmlns:a16="http://schemas.microsoft.com/office/drawing/2014/main" id="{36DBB9D0-21F6-3930-B577-7DF123212A2A}"/>
+                <a16:creationId xmlns:a16="http://schemas.microsoft.com/office/drawing/2014/main" id="{E4F07CD3-726B-FBAC-CBC9-986B7D729A36}"/>
               </a:ext>
             </a:extLst>
           </p:cNvPr>
@@ -166,7 +166,7 @@
           <p:cNvPr id="3" name="副标题 2">
             <a:extLst>
               <a:ext uri="{FF2B5EF4-FFF2-40B4-BE49-F238E27FC236}">
-                <a16:creationId xmlns:a16="http://schemas.microsoft.com/office/drawing/2014/main" id="{AE9DD912-A544-008A-8AED-E92A2EFB7EA0}"/>
+                <a16:creationId xmlns:a16="http://schemas.microsoft.com/office/drawing/2014/main" id="{35421660-7D68-A3D3-481E-570A527E3CD1}"/>
               </a:ext>
             </a:extLst>
           </p:cNvPr>
@@ -236,7 +236,7 @@
           <p:cNvPr id="4" name="日期占位符 3">
             <a:extLst>
               <a:ext uri="{FF2B5EF4-FFF2-40B4-BE49-F238E27FC236}">
-                <a16:creationId xmlns:a16="http://schemas.microsoft.com/office/drawing/2014/main" id="{45C1F09E-D030-9772-E29C-9E82506B246A}"/>
+                <a16:creationId xmlns:a16="http://schemas.microsoft.com/office/drawing/2014/main" id="{87CC555B-34C4-7807-69A9-1B6C0F125D55}"/>
               </a:ext>
             </a:extLst>
           </p:cNvPr>
@@ -252,7 +252,7 @@
           <a:bodyPr/>
           <a:lstStyle/>
           <a:p>
-            <a:fld id="{79D87909-4246-49AF-B91B-D0F8F111FBCA}" type="datetimeFigureOut">
+            <a:fld id="{35C0004D-37E7-40F3-B33E-C839B094E04E}" type="datetimeFigureOut">
               <a:rPr lang="zh-CN" altLang="en-US" smtClean="0"/>
               <a:t>2024/3/10</a:t>
             </a:fld>
@@ -265,7 +265,7 @@
           <p:cNvPr id="5" name="页脚占位符 4">
             <a:extLst>
               <a:ext uri="{FF2B5EF4-FFF2-40B4-BE49-F238E27FC236}">
-                <a16:creationId xmlns:a16="http://schemas.microsoft.com/office/drawing/2014/main" id="{09FEB47A-12F5-B59D-2DA3-0611CE4626EA}"/>
+                <a16:creationId xmlns:a16="http://schemas.microsoft.com/office/drawing/2014/main" id="{409411E7-EC6A-00B4-092F-362AD2AF6DE4}"/>
               </a:ext>
             </a:extLst>
           </p:cNvPr>
@@ -290,7 +290,7 @@
           <p:cNvPr id="6" name="灯片编号占位符 5">
             <a:extLst>
               <a:ext uri="{FF2B5EF4-FFF2-40B4-BE49-F238E27FC236}">
-                <a16:creationId xmlns:a16="http://schemas.microsoft.com/office/drawing/2014/main" id="{E777C68F-14C4-D1A0-5662-17117721DD8D}"/>
+                <a16:creationId xmlns:a16="http://schemas.microsoft.com/office/drawing/2014/main" id="{5045E3BB-49AE-839C-0C87-9085108893FC}"/>
               </a:ext>
             </a:extLst>
           </p:cNvPr>
@@ -306,7 +306,7 @@
           <a:bodyPr/>
           <a:lstStyle/>
           <a:p>
-            <a:fld id="{8D85AEBB-5612-4236-B913-E29D7EDC9377}" type="slidenum">
+            <a:fld id="{53C6DD8B-314D-4A92-A73E-1A177B333B66}" type="slidenum">
               <a:rPr lang="zh-CN" altLang="en-US" smtClean="0"/>
               <a:t>‹#›</a:t>
             </a:fld>
@@ -317,7 +317,7 @@
     </p:spTree>
     <p:extLst>
       <p:ext uri="{BB962C8B-B14F-4D97-AF65-F5344CB8AC3E}">
-        <p14:creationId xmlns:p14="http://schemas.microsoft.com/office/powerpoint/2010/main" val="1248284960"/>
+        <p14:creationId xmlns:p14="http://schemas.microsoft.com/office/powerpoint/2010/main" val="487322274"/>
       </p:ext>
     </p:extLst>
   </p:cSld>
@@ -349,7 +349,7 @@
           <p:cNvPr id="2" name="标题 1">
             <a:extLst>
               <a:ext uri="{FF2B5EF4-FFF2-40B4-BE49-F238E27FC236}">
-                <a16:creationId xmlns:a16="http://schemas.microsoft.com/office/drawing/2014/main" id="{0616F176-5A3E-38B5-CDAE-9FB70F0404FF}"/>
+                <a16:creationId xmlns:a16="http://schemas.microsoft.com/office/drawing/2014/main" id="{041AFF88-112B-8E63-899E-5720F4C9EC8C}"/>
               </a:ext>
             </a:extLst>
           </p:cNvPr>
@@ -377,7 +377,7 @@
           <p:cNvPr id="3" name="竖排文字占位符 2">
             <a:extLst>
               <a:ext uri="{FF2B5EF4-FFF2-40B4-BE49-F238E27FC236}">
-                <a16:creationId xmlns:a16="http://schemas.microsoft.com/office/drawing/2014/main" id="{3CDD413C-82D8-8DB1-4807-ECD5F14949D5}"/>
+                <a16:creationId xmlns:a16="http://schemas.microsoft.com/office/drawing/2014/main" id="{AC0DB52D-5BC2-872A-3CC8-F4566CE1113D}"/>
               </a:ext>
             </a:extLst>
           </p:cNvPr>
@@ -434,7 +434,7 @@
           <p:cNvPr id="4" name="日期占位符 3">
             <a:extLst>
               <a:ext uri="{FF2B5EF4-FFF2-40B4-BE49-F238E27FC236}">
-                <a16:creationId xmlns:a16="http://schemas.microsoft.com/office/drawing/2014/main" id="{17243945-5697-8C82-7543-EE4E7C5E6C99}"/>
+                <a16:creationId xmlns:a16="http://schemas.microsoft.com/office/drawing/2014/main" id="{D6F8BFFE-98E1-DCA5-32EE-46D8BC475497}"/>
               </a:ext>
             </a:extLst>
           </p:cNvPr>
@@ -450,7 +450,7 @@
           <a:bodyPr/>
           <a:lstStyle/>
           <a:p>
-            <a:fld id="{79D87909-4246-49AF-B91B-D0F8F111FBCA}" type="datetimeFigureOut">
+            <a:fld id="{35C0004D-37E7-40F3-B33E-C839B094E04E}" type="datetimeFigureOut">
               <a:rPr lang="zh-CN" altLang="en-US" smtClean="0"/>
               <a:t>2024/3/10</a:t>
             </a:fld>
@@ -463,7 +463,7 @@
           <p:cNvPr id="5" name="页脚占位符 4">
             <a:extLst>
               <a:ext uri="{FF2B5EF4-FFF2-40B4-BE49-F238E27FC236}">
-                <a16:creationId xmlns:a16="http://schemas.microsoft.com/office/drawing/2014/main" id="{B2B838A4-BE0E-4DFE-BAC8-EBEC656E8441}"/>
+                <a16:creationId xmlns:a16="http://schemas.microsoft.com/office/drawing/2014/main" id="{E01F60C4-F99D-13D4-74DD-890430B96220}"/>
               </a:ext>
             </a:extLst>
           </p:cNvPr>
@@ -488,7 +488,7 @@
           <p:cNvPr id="6" name="灯片编号占位符 5">
             <a:extLst>
               <a:ext uri="{FF2B5EF4-FFF2-40B4-BE49-F238E27FC236}">
-                <a16:creationId xmlns:a16="http://schemas.microsoft.com/office/drawing/2014/main" id="{AB68DD53-B8C6-7071-0786-218A4CF5C44D}"/>
+                <a16:creationId xmlns:a16="http://schemas.microsoft.com/office/drawing/2014/main" id="{E9FC5DB5-E751-D2AA-E08B-227A3636B48D}"/>
               </a:ext>
             </a:extLst>
           </p:cNvPr>
@@ -504,7 +504,7 @@
           <a:bodyPr/>
           <a:lstStyle/>
           <a:p>
-            <a:fld id="{8D85AEBB-5612-4236-B913-E29D7EDC9377}" type="slidenum">
+            <a:fld id="{53C6DD8B-314D-4A92-A73E-1A177B333B66}" type="slidenum">
               <a:rPr lang="zh-CN" altLang="en-US" smtClean="0"/>
               <a:t>‹#›</a:t>
             </a:fld>
@@ -515,7 +515,7 @@
     </p:spTree>
     <p:extLst>
       <p:ext uri="{BB962C8B-B14F-4D97-AF65-F5344CB8AC3E}">
-        <p14:creationId xmlns:p14="http://schemas.microsoft.com/office/powerpoint/2010/main" val="3289763062"/>
+        <p14:creationId xmlns:p14="http://schemas.microsoft.com/office/powerpoint/2010/main" val="3157078534"/>
       </p:ext>
     </p:extLst>
   </p:cSld>
@@ -547,7 +547,7 @@
           <p:cNvPr id="2" name="竖排标题 1">
             <a:extLst>
               <a:ext uri="{FF2B5EF4-FFF2-40B4-BE49-F238E27FC236}">
-                <a16:creationId xmlns:a16="http://schemas.microsoft.com/office/drawing/2014/main" id="{30EC3AA7-81EB-C24F-65DF-B6116BF4D550}"/>
+                <a16:creationId xmlns:a16="http://schemas.microsoft.com/office/drawing/2014/main" id="{2CE04BD3-0D9A-AC5D-FBD2-753CF820CF09}"/>
               </a:ext>
             </a:extLst>
           </p:cNvPr>
@@ -580,7 +580,7 @@
           <p:cNvPr id="3" name="竖排文字占位符 2">
             <a:extLst>
               <a:ext uri="{FF2B5EF4-FFF2-40B4-BE49-F238E27FC236}">
-                <a16:creationId xmlns:a16="http://schemas.microsoft.com/office/drawing/2014/main" id="{22B5405F-D6DC-3A4B-1947-A48E376B96F9}"/>
+                <a16:creationId xmlns:a16="http://schemas.microsoft.com/office/drawing/2014/main" id="{E59B3909-F4AB-EEF4-60F6-2F25F9CE0E56}"/>
               </a:ext>
             </a:extLst>
           </p:cNvPr>
@@ -642,7 +642,7 @@
           <p:cNvPr id="4" name="日期占位符 3">
             <a:extLst>
               <a:ext uri="{FF2B5EF4-FFF2-40B4-BE49-F238E27FC236}">
-                <a16:creationId xmlns:a16="http://schemas.microsoft.com/office/drawing/2014/main" id="{7449FF13-39C4-7587-A5E0-DE40AF09EAE2}"/>
+                <a16:creationId xmlns:a16="http://schemas.microsoft.com/office/drawing/2014/main" id="{7FC09115-A3BB-8B6B-6B8E-F0FD1E1DC500}"/>
               </a:ext>
             </a:extLst>
           </p:cNvPr>
@@ -658,7 +658,7 @@
           <a:bodyPr/>
           <a:lstStyle/>
           <a:p>
-            <a:fld id="{79D87909-4246-49AF-B91B-D0F8F111FBCA}" type="datetimeFigureOut">
+            <a:fld id="{35C0004D-37E7-40F3-B33E-C839B094E04E}" type="datetimeFigureOut">
               <a:rPr lang="zh-CN" altLang="en-US" smtClean="0"/>
               <a:t>2024/3/10</a:t>
             </a:fld>
@@ -671,7 +671,7 @@
           <p:cNvPr id="5" name="页脚占位符 4">
             <a:extLst>
               <a:ext uri="{FF2B5EF4-FFF2-40B4-BE49-F238E27FC236}">
-                <a16:creationId xmlns:a16="http://schemas.microsoft.com/office/drawing/2014/main" id="{FC52FF79-591A-C1F0-8F33-371A7F076A57}"/>
+                <a16:creationId xmlns:a16="http://schemas.microsoft.com/office/drawing/2014/main" id="{2DF7056F-EEAE-485C-36DE-4CD83BE7D400}"/>
               </a:ext>
             </a:extLst>
           </p:cNvPr>
@@ -696,7 +696,7 @@
           <p:cNvPr id="6" name="灯片编号占位符 5">
             <a:extLst>
               <a:ext uri="{FF2B5EF4-FFF2-40B4-BE49-F238E27FC236}">
-                <a16:creationId xmlns:a16="http://schemas.microsoft.com/office/drawing/2014/main" id="{C0D66E70-E230-FCF7-5E5A-77FEA69917AC}"/>
+                <a16:creationId xmlns:a16="http://schemas.microsoft.com/office/drawing/2014/main" id="{877BAD84-9D16-CFED-2D60-A61521EE036A}"/>
               </a:ext>
             </a:extLst>
           </p:cNvPr>
@@ -712,7 +712,7 @@
           <a:bodyPr/>
           <a:lstStyle/>
           <a:p>
-            <a:fld id="{8D85AEBB-5612-4236-B913-E29D7EDC9377}" type="slidenum">
+            <a:fld id="{53C6DD8B-314D-4A92-A73E-1A177B333B66}" type="slidenum">
               <a:rPr lang="zh-CN" altLang="en-US" smtClean="0"/>
               <a:t>‹#›</a:t>
             </a:fld>
@@ -723,7 +723,7 @@
     </p:spTree>
     <p:extLst>
       <p:ext uri="{BB962C8B-B14F-4D97-AF65-F5344CB8AC3E}">
-        <p14:creationId xmlns:p14="http://schemas.microsoft.com/office/powerpoint/2010/main" val="3518018209"/>
+        <p14:creationId xmlns:p14="http://schemas.microsoft.com/office/powerpoint/2010/main" val="2514059861"/>
       </p:ext>
     </p:extLst>
   </p:cSld>
@@ -755,7 +755,7 @@
           <p:cNvPr id="2" name="标题 1">
             <a:extLst>
               <a:ext uri="{FF2B5EF4-FFF2-40B4-BE49-F238E27FC236}">
-                <a16:creationId xmlns:a16="http://schemas.microsoft.com/office/drawing/2014/main" id="{9365196C-6A17-AA62-E4D2-C351CACA5A07}"/>
+                <a16:creationId xmlns:a16="http://schemas.microsoft.com/office/drawing/2014/main" id="{8D6ED568-45A4-85A8-61D1-3C12B3B4BC3D}"/>
               </a:ext>
             </a:extLst>
           </p:cNvPr>
@@ -783,7 +783,7 @@
           <p:cNvPr id="3" name="内容占位符 2">
             <a:extLst>
               <a:ext uri="{FF2B5EF4-FFF2-40B4-BE49-F238E27FC236}">
-                <a16:creationId xmlns:a16="http://schemas.microsoft.com/office/drawing/2014/main" id="{6983490E-7215-366D-2300-69504FC9A1BB}"/>
+                <a16:creationId xmlns:a16="http://schemas.microsoft.com/office/drawing/2014/main" id="{6E0ECC7A-DBFC-107C-7954-1999AD1229E6}"/>
               </a:ext>
             </a:extLst>
           </p:cNvPr>
@@ -840,7 +840,7 @@
           <p:cNvPr id="4" name="日期占位符 3">
             <a:extLst>
               <a:ext uri="{FF2B5EF4-FFF2-40B4-BE49-F238E27FC236}">
-                <a16:creationId xmlns:a16="http://schemas.microsoft.com/office/drawing/2014/main" id="{44BC34BF-387B-9D44-0D67-14A30E746244}"/>
+                <a16:creationId xmlns:a16="http://schemas.microsoft.com/office/drawing/2014/main" id="{B7ED5557-FABD-E714-3A9D-32A0AC073F47}"/>
               </a:ext>
             </a:extLst>
           </p:cNvPr>
@@ -856,7 +856,7 @@
           <a:bodyPr/>
           <a:lstStyle/>
           <a:p>
-            <a:fld id="{79D87909-4246-49AF-B91B-D0F8F111FBCA}" type="datetimeFigureOut">
+            <a:fld id="{35C0004D-37E7-40F3-B33E-C839B094E04E}" type="datetimeFigureOut">
               <a:rPr lang="zh-CN" altLang="en-US" smtClean="0"/>
               <a:t>2024/3/10</a:t>
             </a:fld>
@@ -869,7 +869,7 @@
           <p:cNvPr id="5" name="页脚占位符 4">
             <a:extLst>
               <a:ext uri="{FF2B5EF4-FFF2-40B4-BE49-F238E27FC236}">
-                <a16:creationId xmlns:a16="http://schemas.microsoft.com/office/drawing/2014/main" id="{316785E1-E65A-E119-2895-1F7016196283}"/>
+                <a16:creationId xmlns:a16="http://schemas.microsoft.com/office/drawing/2014/main" id="{FAE81EC9-21D9-D7A9-C60C-89AB6DED0767}"/>
               </a:ext>
             </a:extLst>
           </p:cNvPr>
@@ -894,7 +894,7 @@
           <p:cNvPr id="6" name="灯片编号占位符 5">
             <a:extLst>
               <a:ext uri="{FF2B5EF4-FFF2-40B4-BE49-F238E27FC236}">
-                <a16:creationId xmlns:a16="http://schemas.microsoft.com/office/drawing/2014/main" id="{87CC1F2B-E188-8393-7848-1CF60020C884}"/>
+                <a16:creationId xmlns:a16="http://schemas.microsoft.com/office/drawing/2014/main" id="{F225F4F3-B3B0-E6D0-93B8-40A63C39AB5B}"/>
               </a:ext>
             </a:extLst>
           </p:cNvPr>
@@ -910,7 +910,7 @@
           <a:bodyPr/>
           <a:lstStyle/>
           <a:p>
-            <a:fld id="{8D85AEBB-5612-4236-B913-E29D7EDC9377}" type="slidenum">
+            <a:fld id="{53C6DD8B-314D-4A92-A73E-1A177B333B66}" type="slidenum">
               <a:rPr lang="zh-CN" altLang="en-US" smtClean="0"/>
               <a:t>‹#›</a:t>
             </a:fld>
@@ -921,7 +921,7 @@
     </p:spTree>
     <p:extLst>
       <p:ext uri="{BB962C8B-B14F-4D97-AF65-F5344CB8AC3E}">
-        <p14:creationId xmlns:p14="http://schemas.microsoft.com/office/powerpoint/2010/main" val="1918821745"/>
+        <p14:creationId xmlns:p14="http://schemas.microsoft.com/office/powerpoint/2010/main" val="304336593"/>
       </p:ext>
     </p:extLst>
   </p:cSld>
@@ -953,7 +953,7 @@
           <p:cNvPr id="2" name="标题 1">
             <a:extLst>
               <a:ext uri="{FF2B5EF4-FFF2-40B4-BE49-F238E27FC236}">
-                <a16:creationId xmlns:a16="http://schemas.microsoft.com/office/drawing/2014/main" id="{B30782DD-492A-3E60-9397-E35E8EDC0BA4}"/>
+                <a16:creationId xmlns:a16="http://schemas.microsoft.com/office/drawing/2014/main" id="{9A28DA5F-BC73-E9BE-3DD3-957B5ACDFEA5}"/>
               </a:ext>
             </a:extLst>
           </p:cNvPr>
@@ -990,7 +990,7 @@
           <p:cNvPr id="3" name="文本占位符 2">
             <a:extLst>
               <a:ext uri="{FF2B5EF4-FFF2-40B4-BE49-F238E27FC236}">
-                <a16:creationId xmlns:a16="http://schemas.microsoft.com/office/drawing/2014/main" id="{1C31728F-29D5-4FAD-5DD1-C5B72382FEF4}"/>
+                <a16:creationId xmlns:a16="http://schemas.microsoft.com/office/drawing/2014/main" id="{59F935E4-14B8-89D4-51F3-E92702B1030A}"/>
               </a:ext>
             </a:extLst>
           </p:cNvPr>
@@ -1115,7 +1115,7 @@
           <p:cNvPr id="4" name="日期占位符 3">
             <a:extLst>
               <a:ext uri="{FF2B5EF4-FFF2-40B4-BE49-F238E27FC236}">
-                <a16:creationId xmlns:a16="http://schemas.microsoft.com/office/drawing/2014/main" id="{F25C743B-626C-4AFA-70EA-C18DA6F1990E}"/>
+                <a16:creationId xmlns:a16="http://schemas.microsoft.com/office/drawing/2014/main" id="{D64E4FC2-5B63-A887-CFA9-65EF876A3121}"/>
               </a:ext>
             </a:extLst>
           </p:cNvPr>
@@ -1131,7 +1131,7 @@
           <a:bodyPr/>
           <a:lstStyle/>
           <a:p>
-            <a:fld id="{79D87909-4246-49AF-B91B-D0F8F111FBCA}" type="datetimeFigureOut">
+            <a:fld id="{35C0004D-37E7-40F3-B33E-C839B094E04E}" type="datetimeFigureOut">
               <a:rPr lang="zh-CN" altLang="en-US" smtClean="0"/>
               <a:t>2024/3/10</a:t>
             </a:fld>
@@ -1144,7 +1144,7 @@
           <p:cNvPr id="5" name="页脚占位符 4">
             <a:extLst>
               <a:ext uri="{FF2B5EF4-FFF2-40B4-BE49-F238E27FC236}">
-                <a16:creationId xmlns:a16="http://schemas.microsoft.com/office/drawing/2014/main" id="{D92638DB-C03F-5BFC-F61B-FB43D7ED262C}"/>
+                <a16:creationId xmlns:a16="http://schemas.microsoft.com/office/drawing/2014/main" id="{F472D60F-37F8-9A88-B16F-2FCFE64F8EEF}"/>
               </a:ext>
             </a:extLst>
           </p:cNvPr>
@@ -1169,7 +1169,7 @@
           <p:cNvPr id="6" name="灯片编号占位符 5">
             <a:extLst>
               <a:ext uri="{FF2B5EF4-FFF2-40B4-BE49-F238E27FC236}">
-                <a16:creationId xmlns:a16="http://schemas.microsoft.com/office/drawing/2014/main" id="{F6E4692A-E478-B37B-B09E-8C41BA0B525A}"/>
+                <a16:creationId xmlns:a16="http://schemas.microsoft.com/office/drawing/2014/main" id="{C272EC1B-7D6B-668C-4C49-96B5B0190147}"/>
               </a:ext>
             </a:extLst>
           </p:cNvPr>
@@ -1185,7 +1185,7 @@
           <a:bodyPr/>
           <a:lstStyle/>
           <a:p>
-            <a:fld id="{8D85AEBB-5612-4236-B913-E29D7EDC9377}" type="slidenum">
+            <a:fld id="{53C6DD8B-314D-4A92-A73E-1A177B333B66}" type="slidenum">
               <a:rPr lang="zh-CN" altLang="en-US" smtClean="0"/>
               <a:t>‹#›</a:t>
             </a:fld>
@@ -1196,7 +1196,7 @@
     </p:spTree>
     <p:extLst>
       <p:ext uri="{BB962C8B-B14F-4D97-AF65-F5344CB8AC3E}">
-        <p14:creationId xmlns:p14="http://schemas.microsoft.com/office/powerpoint/2010/main" val="908199152"/>
+        <p14:creationId xmlns:p14="http://schemas.microsoft.com/office/powerpoint/2010/main" val="2736393843"/>
       </p:ext>
     </p:extLst>
   </p:cSld>
@@ -1228,7 +1228,7 @@
           <p:cNvPr id="2" name="标题 1">
             <a:extLst>
               <a:ext uri="{FF2B5EF4-FFF2-40B4-BE49-F238E27FC236}">
-                <a16:creationId xmlns:a16="http://schemas.microsoft.com/office/drawing/2014/main" id="{E12D0757-1FB3-6E33-AC0B-2D5EBA90AB75}"/>
+                <a16:creationId xmlns:a16="http://schemas.microsoft.com/office/drawing/2014/main" id="{D8E680F7-F28C-7653-C23E-DABD74E9CA70}"/>
               </a:ext>
             </a:extLst>
           </p:cNvPr>
@@ -1256,7 +1256,7 @@
           <p:cNvPr id="3" name="内容占位符 2">
             <a:extLst>
               <a:ext uri="{FF2B5EF4-FFF2-40B4-BE49-F238E27FC236}">
-                <a16:creationId xmlns:a16="http://schemas.microsoft.com/office/drawing/2014/main" id="{920601EC-EA11-F270-0243-54BC54BB75C5}"/>
+                <a16:creationId xmlns:a16="http://schemas.microsoft.com/office/drawing/2014/main" id="{FAA2C3A2-D870-93E6-17C4-724F975D42D3}"/>
               </a:ext>
             </a:extLst>
           </p:cNvPr>
@@ -1318,7 +1318,7 @@
           <p:cNvPr id="4" name="内容占位符 3">
             <a:extLst>
               <a:ext uri="{FF2B5EF4-FFF2-40B4-BE49-F238E27FC236}">
-                <a16:creationId xmlns:a16="http://schemas.microsoft.com/office/drawing/2014/main" id="{27FF8489-1652-8D55-60FC-0E42A1F88598}"/>
+                <a16:creationId xmlns:a16="http://schemas.microsoft.com/office/drawing/2014/main" id="{1BEF36CA-2A6B-F0DC-9D64-CE46D2DA8AB7}"/>
               </a:ext>
             </a:extLst>
           </p:cNvPr>
@@ -1380,7 +1380,7 @@
           <p:cNvPr id="5" name="日期占位符 4">
             <a:extLst>
               <a:ext uri="{FF2B5EF4-FFF2-40B4-BE49-F238E27FC236}">
-                <a16:creationId xmlns:a16="http://schemas.microsoft.com/office/drawing/2014/main" id="{5586EAD3-B75B-6C20-77A6-475C428F855F}"/>
+                <a16:creationId xmlns:a16="http://schemas.microsoft.com/office/drawing/2014/main" id="{875FC887-0CE5-F605-F891-EC805B1053A6}"/>
               </a:ext>
             </a:extLst>
           </p:cNvPr>
@@ -1396,7 +1396,7 @@
           <a:bodyPr/>
           <a:lstStyle/>
           <a:p>
-            <a:fld id="{79D87909-4246-49AF-B91B-D0F8F111FBCA}" type="datetimeFigureOut">
+            <a:fld id="{35C0004D-37E7-40F3-B33E-C839B094E04E}" type="datetimeFigureOut">
               <a:rPr lang="zh-CN" altLang="en-US" smtClean="0"/>
               <a:t>2024/3/10</a:t>
             </a:fld>
@@ -1409,7 +1409,7 @@
           <p:cNvPr id="6" name="页脚占位符 5">
             <a:extLst>
               <a:ext uri="{FF2B5EF4-FFF2-40B4-BE49-F238E27FC236}">
-                <a16:creationId xmlns:a16="http://schemas.microsoft.com/office/drawing/2014/main" id="{B25F17B3-EF96-23ED-7313-C3414D987E63}"/>
+                <a16:creationId xmlns:a16="http://schemas.microsoft.com/office/drawing/2014/main" id="{59FF6842-8AC8-3626-B725-CBB0F4D17107}"/>
               </a:ext>
             </a:extLst>
           </p:cNvPr>
@@ -1434,7 +1434,7 @@
           <p:cNvPr id="7" name="灯片编号占位符 6">
             <a:extLst>
               <a:ext uri="{FF2B5EF4-FFF2-40B4-BE49-F238E27FC236}">
-                <a16:creationId xmlns:a16="http://schemas.microsoft.com/office/drawing/2014/main" id="{46D12D5D-B593-4C15-C440-A15BFF41AE63}"/>
+                <a16:creationId xmlns:a16="http://schemas.microsoft.com/office/drawing/2014/main" id="{37BB1E52-0741-9F9D-448D-91E260146152}"/>
               </a:ext>
             </a:extLst>
           </p:cNvPr>
@@ -1450,7 +1450,7 @@
           <a:bodyPr/>
           <a:lstStyle/>
           <a:p>
-            <a:fld id="{8D85AEBB-5612-4236-B913-E29D7EDC9377}" type="slidenum">
+            <a:fld id="{53C6DD8B-314D-4A92-A73E-1A177B333B66}" type="slidenum">
               <a:rPr lang="zh-CN" altLang="en-US" smtClean="0"/>
               <a:t>‹#›</a:t>
             </a:fld>
@@ -1461,7 +1461,7 @@
     </p:spTree>
     <p:extLst>
       <p:ext uri="{BB962C8B-B14F-4D97-AF65-F5344CB8AC3E}">
-        <p14:creationId xmlns:p14="http://schemas.microsoft.com/office/powerpoint/2010/main" val="2651381169"/>
+        <p14:creationId xmlns:p14="http://schemas.microsoft.com/office/powerpoint/2010/main" val="3775339709"/>
       </p:ext>
     </p:extLst>
   </p:cSld>
@@ -1493,7 +1493,7 @@
           <p:cNvPr id="2" name="标题 1">
             <a:extLst>
               <a:ext uri="{FF2B5EF4-FFF2-40B4-BE49-F238E27FC236}">
-                <a16:creationId xmlns:a16="http://schemas.microsoft.com/office/drawing/2014/main" id="{B1A33AF5-27FF-EE99-C2D3-56A9C45B1898}"/>
+                <a16:creationId xmlns:a16="http://schemas.microsoft.com/office/drawing/2014/main" id="{F3011A3C-6AF5-E5F4-2EDD-6DF36D24E3D3}"/>
               </a:ext>
             </a:extLst>
           </p:cNvPr>
@@ -1526,7 +1526,7 @@
           <p:cNvPr id="3" name="文本占位符 2">
             <a:extLst>
               <a:ext uri="{FF2B5EF4-FFF2-40B4-BE49-F238E27FC236}">
-                <a16:creationId xmlns:a16="http://schemas.microsoft.com/office/drawing/2014/main" id="{770D56DE-812A-9B07-5E1E-7E15ACF6D285}"/>
+                <a16:creationId xmlns:a16="http://schemas.microsoft.com/office/drawing/2014/main" id="{4C3B2E93-E72D-E539-AAC8-1F41E957BE52}"/>
               </a:ext>
             </a:extLst>
           </p:cNvPr>
@@ -1597,7 +1597,7 @@
           <p:cNvPr id="4" name="内容占位符 3">
             <a:extLst>
               <a:ext uri="{FF2B5EF4-FFF2-40B4-BE49-F238E27FC236}">
-                <a16:creationId xmlns:a16="http://schemas.microsoft.com/office/drawing/2014/main" id="{5BD7C78D-C5D9-629F-1302-E080D0EC665F}"/>
+                <a16:creationId xmlns:a16="http://schemas.microsoft.com/office/drawing/2014/main" id="{20022C98-92AD-DB0B-5129-756AF6FDDAAD}"/>
               </a:ext>
             </a:extLst>
           </p:cNvPr>
@@ -1659,7 +1659,7 @@
           <p:cNvPr id="5" name="文本占位符 4">
             <a:extLst>
               <a:ext uri="{FF2B5EF4-FFF2-40B4-BE49-F238E27FC236}">
-                <a16:creationId xmlns:a16="http://schemas.microsoft.com/office/drawing/2014/main" id="{519A998F-279A-E48C-5BA1-13D3AB0ECD88}"/>
+                <a16:creationId xmlns:a16="http://schemas.microsoft.com/office/drawing/2014/main" id="{BA629E60-878A-7A2D-9521-7720DB7D8C7B}"/>
               </a:ext>
             </a:extLst>
           </p:cNvPr>
@@ -1730,7 +1730,7 @@
           <p:cNvPr id="6" name="内容占位符 5">
             <a:extLst>
               <a:ext uri="{FF2B5EF4-FFF2-40B4-BE49-F238E27FC236}">
-                <a16:creationId xmlns:a16="http://schemas.microsoft.com/office/drawing/2014/main" id="{648656C8-765B-AB36-7D4C-F54BCD5FE53E}"/>
+                <a16:creationId xmlns:a16="http://schemas.microsoft.com/office/drawing/2014/main" id="{8E8F2BAA-59FB-3190-34B0-22171E19CB4A}"/>
               </a:ext>
             </a:extLst>
           </p:cNvPr>
@@ -1792,7 +1792,7 @@
           <p:cNvPr id="7" name="日期占位符 6">
             <a:extLst>
               <a:ext uri="{FF2B5EF4-FFF2-40B4-BE49-F238E27FC236}">
-                <a16:creationId xmlns:a16="http://schemas.microsoft.com/office/drawing/2014/main" id="{A4DA23DD-4C40-5C8C-AEDB-2C41F821D66C}"/>
+                <a16:creationId xmlns:a16="http://schemas.microsoft.com/office/drawing/2014/main" id="{574F8D99-C2DB-0230-8D12-6A1741A7A03B}"/>
               </a:ext>
             </a:extLst>
           </p:cNvPr>
@@ -1808,7 +1808,7 @@
           <a:bodyPr/>
           <a:lstStyle/>
           <a:p>
-            <a:fld id="{79D87909-4246-49AF-B91B-D0F8F111FBCA}" type="datetimeFigureOut">
+            <a:fld id="{35C0004D-37E7-40F3-B33E-C839B094E04E}" type="datetimeFigureOut">
               <a:rPr lang="zh-CN" altLang="en-US" smtClean="0"/>
               <a:t>2024/3/10</a:t>
             </a:fld>
@@ -1821,7 +1821,7 @@
           <p:cNvPr id="8" name="页脚占位符 7">
             <a:extLst>
               <a:ext uri="{FF2B5EF4-FFF2-40B4-BE49-F238E27FC236}">
-                <a16:creationId xmlns:a16="http://schemas.microsoft.com/office/drawing/2014/main" id="{A2EDCB01-6757-2990-45B1-7F01A43867A6}"/>
+                <a16:creationId xmlns:a16="http://schemas.microsoft.com/office/drawing/2014/main" id="{6592915E-E943-1CAB-A0DC-73B46A149E56}"/>
               </a:ext>
             </a:extLst>
           </p:cNvPr>
@@ -1846,7 +1846,7 @@
           <p:cNvPr id="9" name="灯片编号占位符 8">
             <a:extLst>
               <a:ext uri="{FF2B5EF4-FFF2-40B4-BE49-F238E27FC236}">
-                <a16:creationId xmlns:a16="http://schemas.microsoft.com/office/drawing/2014/main" id="{BBB6F803-EA73-06C8-DE8A-70FD292D3884}"/>
+                <a16:creationId xmlns:a16="http://schemas.microsoft.com/office/drawing/2014/main" id="{006CB793-3AF2-6B47-1E53-6893B31B0D98}"/>
               </a:ext>
             </a:extLst>
           </p:cNvPr>
@@ -1862,7 +1862,7 @@
           <a:bodyPr/>
           <a:lstStyle/>
           <a:p>
-            <a:fld id="{8D85AEBB-5612-4236-B913-E29D7EDC9377}" type="slidenum">
+            <a:fld id="{53C6DD8B-314D-4A92-A73E-1A177B333B66}" type="slidenum">
               <a:rPr lang="zh-CN" altLang="en-US" smtClean="0"/>
               <a:t>‹#›</a:t>
             </a:fld>
@@ -1873,7 +1873,7 @@
     </p:spTree>
     <p:extLst>
       <p:ext uri="{BB962C8B-B14F-4D97-AF65-F5344CB8AC3E}">
-        <p14:creationId xmlns:p14="http://schemas.microsoft.com/office/powerpoint/2010/main" val="1907318347"/>
+        <p14:creationId xmlns:p14="http://schemas.microsoft.com/office/powerpoint/2010/main" val="967910600"/>
       </p:ext>
     </p:extLst>
   </p:cSld>
@@ -1905,7 +1905,7 @@
           <p:cNvPr id="2" name="标题 1">
             <a:extLst>
               <a:ext uri="{FF2B5EF4-FFF2-40B4-BE49-F238E27FC236}">
-                <a16:creationId xmlns:a16="http://schemas.microsoft.com/office/drawing/2014/main" id="{D5C0AF39-36AB-8F5B-884E-A5EE58C526C7}"/>
+                <a16:creationId xmlns:a16="http://schemas.microsoft.com/office/drawing/2014/main" id="{42468DB1-BBA1-ED79-E84E-61B10FCBD732}"/>
               </a:ext>
             </a:extLst>
           </p:cNvPr>
@@ -1933,7 +1933,7 @@
           <p:cNvPr id="3" name="日期占位符 2">
             <a:extLst>
               <a:ext uri="{FF2B5EF4-FFF2-40B4-BE49-F238E27FC236}">
-                <a16:creationId xmlns:a16="http://schemas.microsoft.com/office/drawing/2014/main" id="{3EAAFB87-D8AF-A69D-8E73-EEEE6FDABE72}"/>
+                <a16:creationId xmlns:a16="http://schemas.microsoft.com/office/drawing/2014/main" id="{1F21E9D1-72FD-82C0-514A-39F498C1D3EA}"/>
               </a:ext>
             </a:extLst>
           </p:cNvPr>
@@ -1949,7 +1949,7 @@
           <a:bodyPr/>
           <a:lstStyle/>
           <a:p>
-            <a:fld id="{79D87909-4246-49AF-B91B-D0F8F111FBCA}" type="datetimeFigureOut">
+            <a:fld id="{35C0004D-37E7-40F3-B33E-C839B094E04E}" type="datetimeFigureOut">
               <a:rPr lang="zh-CN" altLang="en-US" smtClean="0"/>
               <a:t>2024/3/10</a:t>
             </a:fld>
@@ -1962,7 +1962,7 @@
           <p:cNvPr id="4" name="页脚占位符 3">
             <a:extLst>
               <a:ext uri="{FF2B5EF4-FFF2-40B4-BE49-F238E27FC236}">
-                <a16:creationId xmlns:a16="http://schemas.microsoft.com/office/drawing/2014/main" id="{2280A927-3BB1-D73C-76AF-E98892A8BC4C}"/>
+                <a16:creationId xmlns:a16="http://schemas.microsoft.com/office/drawing/2014/main" id="{48237488-6F0C-1256-93DB-4121A0E57F33}"/>
               </a:ext>
             </a:extLst>
           </p:cNvPr>
@@ -1987,7 +1987,7 @@
           <p:cNvPr id="5" name="灯片编号占位符 4">
             <a:extLst>
               <a:ext uri="{FF2B5EF4-FFF2-40B4-BE49-F238E27FC236}">
-                <a16:creationId xmlns:a16="http://schemas.microsoft.com/office/drawing/2014/main" id="{E6DC7FEF-1DFA-A93F-5DD5-B804F0EBD446}"/>
+                <a16:creationId xmlns:a16="http://schemas.microsoft.com/office/drawing/2014/main" id="{8982B03B-15C0-3A52-687B-14964B9AF154}"/>
               </a:ext>
             </a:extLst>
           </p:cNvPr>
@@ -2003,7 +2003,7 @@
           <a:bodyPr/>
           <a:lstStyle/>
           <a:p>
-            <a:fld id="{8D85AEBB-5612-4236-B913-E29D7EDC9377}" type="slidenum">
+            <a:fld id="{53C6DD8B-314D-4A92-A73E-1A177B333B66}" type="slidenum">
               <a:rPr lang="zh-CN" altLang="en-US" smtClean="0"/>
               <a:t>‹#›</a:t>
             </a:fld>
@@ -2014,7 +2014,7 @@
     </p:spTree>
     <p:extLst>
       <p:ext uri="{BB962C8B-B14F-4D97-AF65-F5344CB8AC3E}">
-        <p14:creationId xmlns:p14="http://schemas.microsoft.com/office/powerpoint/2010/main" val="3488449557"/>
+        <p14:creationId xmlns:p14="http://schemas.microsoft.com/office/powerpoint/2010/main" val="370916333"/>
       </p:ext>
     </p:extLst>
   </p:cSld>
@@ -2046,7 +2046,7 @@
           <p:cNvPr id="2" name="日期占位符 1">
             <a:extLst>
               <a:ext uri="{FF2B5EF4-FFF2-40B4-BE49-F238E27FC236}">
-                <a16:creationId xmlns:a16="http://schemas.microsoft.com/office/drawing/2014/main" id="{83ECABB4-FE15-59B7-835C-3B97395B0773}"/>
+                <a16:creationId xmlns:a16="http://schemas.microsoft.com/office/drawing/2014/main" id="{AE15C34F-9D9B-8977-DE50-B2114D7D1740}"/>
               </a:ext>
             </a:extLst>
           </p:cNvPr>
@@ -2062,7 +2062,7 @@
           <a:bodyPr/>
           <a:lstStyle/>
           <a:p>
-            <a:fld id="{79D87909-4246-49AF-B91B-D0F8F111FBCA}" type="datetimeFigureOut">
+            <a:fld id="{35C0004D-37E7-40F3-B33E-C839B094E04E}" type="datetimeFigureOut">
               <a:rPr lang="zh-CN" altLang="en-US" smtClean="0"/>
               <a:t>2024/3/10</a:t>
             </a:fld>
@@ -2075,7 +2075,7 @@
           <p:cNvPr id="3" name="页脚占位符 2">
             <a:extLst>
               <a:ext uri="{FF2B5EF4-FFF2-40B4-BE49-F238E27FC236}">
-                <a16:creationId xmlns:a16="http://schemas.microsoft.com/office/drawing/2014/main" id="{F9B974D1-3A7B-A989-67B4-AEBDB40F731F}"/>
+                <a16:creationId xmlns:a16="http://schemas.microsoft.com/office/drawing/2014/main" id="{7C743A02-3B6E-C2A3-3070-AC3076A6600D}"/>
               </a:ext>
             </a:extLst>
           </p:cNvPr>
@@ -2100,7 +2100,7 @@
           <p:cNvPr id="4" name="灯片编号占位符 3">
             <a:extLst>
               <a:ext uri="{FF2B5EF4-FFF2-40B4-BE49-F238E27FC236}">
-                <a16:creationId xmlns:a16="http://schemas.microsoft.com/office/drawing/2014/main" id="{A48671E3-E31D-1979-5847-4EAF206F3724}"/>
+                <a16:creationId xmlns:a16="http://schemas.microsoft.com/office/drawing/2014/main" id="{B7E1E4CB-F3A3-1F9C-5DBA-81891BD93758}"/>
               </a:ext>
             </a:extLst>
           </p:cNvPr>
@@ -2116,7 +2116,7 @@
           <a:bodyPr/>
           <a:lstStyle/>
           <a:p>
-            <a:fld id="{8D85AEBB-5612-4236-B913-E29D7EDC9377}" type="slidenum">
+            <a:fld id="{53C6DD8B-314D-4A92-A73E-1A177B333B66}" type="slidenum">
               <a:rPr lang="zh-CN" altLang="en-US" smtClean="0"/>
               <a:t>‹#›</a:t>
             </a:fld>
@@ -2127,7 +2127,7 @@
     </p:spTree>
     <p:extLst>
       <p:ext uri="{BB962C8B-B14F-4D97-AF65-F5344CB8AC3E}">
-        <p14:creationId xmlns:p14="http://schemas.microsoft.com/office/powerpoint/2010/main" val="256079488"/>
+        <p14:creationId xmlns:p14="http://schemas.microsoft.com/office/powerpoint/2010/main" val="2766895830"/>
       </p:ext>
     </p:extLst>
   </p:cSld>
@@ -2159,7 +2159,7 @@
           <p:cNvPr id="2" name="标题 1">
             <a:extLst>
               <a:ext uri="{FF2B5EF4-FFF2-40B4-BE49-F238E27FC236}">
-                <a16:creationId xmlns:a16="http://schemas.microsoft.com/office/drawing/2014/main" id="{4EEFFE66-289B-83BB-58B3-D9E8ECE00412}"/>
+                <a16:creationId xmlns:a16="http://schemas.microsoft.com/office/drawing/2014/main" id="{D3F18FD9-731B-FA34-D0B7-052D72E63EAB}"/>
               </a:ext>
             </a:extLst>
           </p:cNvPr>
@@ -2196,7 +2196,7 @@
           <p:cNvPr id="3" name="内容占位符 2">
             <a:extLst>
               <a:ext uri="{FF2B5EF4-FFF2-40B4-BE49-F238E27FC236}">
-                <a16:creationId xmlns:a16="http://schemas.microsoft.com/office/drawing/2014/main" id="{088DA786-3128-120B-2C79-25C8A74C419D}"/>
+                <a16:creationId xmlns:a16="http://schemas.microsoft.com/office/drawing/2014/main" id="{E1B692BE-AF7E-124C-1279-02625689DC34}"/>
               </a:ext>
             </a:extLst>
           </p:cNvPr>
@@ -2286,7 +2286,7 @@
           <p:cNvPr id="4" name="文本占位符 3">
             <a:extLst>
               <a:ext uri="{FF2B5EF4-FFF2-40B4-BE49-F238E27FC236}">
-                <a16:creationId xmlns:a16="http://schemas.microsoft.com/office/drawing/2014/main" id="{EA0000F5-A0A1-D31C-1B28-FF1F426D4BAE}"/>
+                <a16:creationId xmlns:a16="http://schemas.microsoft.com/office/drawing/2014/main" id="{B1074EF4-F918-3FFF-112D-AC986E45C0BC}"/>
               </a:ext>
             </a:extLst>
           </p:cNvPr>
@@ -2357,7 +2357,7 @@
           <p:cNvPr id="5" name="日期占位符 4">
             <a:extLst>
               <a:ext uri="{FF2B5EF4-FFF2-40B4-BE49-F238E27FC236}">
-                <a16:creationId xmlns:a16="http://schemas.microsoft.com/office/drawing/2014/main" id="{7C8A7E38-AB39-EAEE-E9E5-A9D969DF6F2B}"/>
+                <a16:creationId xmlns:a16="http://schemas.microsoft.com/office/drawing/2014/main" id="{C0DB3ECA-0738-6C90-AC6A-23BBCFB071A8}"/>
               </a:ext>
             </a:extLst>
           </p:cNvPr>
@@ -2373,7 +2373,7 @@
           <a:bodyPr/>
           <a:lstStyle/>
           <a:p>
-            <a:fld id="{79D87909-4246-49AF-B91B-D0F8F111FBCA}" type="datetimeFigureOut">
+            <a:fld id="{35C0004D-37E7-40F3-B33E-C839B094E04E}" type="datetimeFigureOut">
               <a:rPr lang="zh-CN" altLang="en-US" smtClean="0"/>
               <a:t>2024/3/10</a:t>
             </a:fld>
@@ -2386,7 +2386,7 @@
           <p:cNvPr id="6" name="页脚占位符 5">
             <a:extLst>
               <a:ext uri="{FF2B5EF4-FFF2-40B4-BE49-F238E27FC236}">
-                <a16:creationId xmlns:a16="http://schemas.microsoft.com/office/drawing/2014/main" id="{E95086C4-F853-D460-8D89-5459B6BA1C4B}"/>
+                <a16:creationId xmlns:a16="http://schemas.microsoft.com/office/drawing/2014/main" id="{93FB8539-A514-F4B5-8D37-767896B6F22E}"/>
               </a:ext>
             </a:extLst>
           </p:cNvPr>
@@ -2411,7 +2411,7 @@
           <p:cNvPr id="7" name="灯片编号占位符 6">
             <a:extLst>
               <a:ext uri="{FF2B5EF4-FFF2-40B4-BE49-F238E27FC236}">
-                <a16:creationId xmlns:a16="http://schemas.microsoft.com/office/drawing/2014/main" id="{4E151950-3B85-E6AC-9909-1E2733D03C9F}"/>
+                <a16:creationId xmlns:a16="http://schemas.microsoft.com/office/drawing/2014/main" id="{477913D8-540C-1CA9-EC1F-37CA3379AB58}"/>
               </a:ext>
             </a:extLst>
           </p:cNvPr>
@@ -2427,7 +2427,7 @@
           <a:bodyPr/>
           <a:lstStyle/>
           <a:p>
-            <a:fld id="{8D85AEBB-5612-4236-B913-E29D7EDC9377}" type="slidenum">
+            <a:fld id="{53C6DD8B-314D-4A92-A73E-1A177B333B66}" type="slidenum">
               <a:rPr lang="zh-CN" altLang="en-US" smtClean="0"/>
               <a:t>‹#›</a:t>
             </a:fld>
@@ -2438,7 +2438,7 @@
     </p:spTree>
     <p:extLst>
       <p:ext uri="{BB962C8B-B14F-4D97-AF65-F5344CB8AC3E}">
-        <p14:creationId xmlns:p14="http://schemas.microsoft.com/office/powerpoint/2010/main" val="10905991"/>
+        <p14:creationId xmlns:p14="http://schemas.microsoft.com/office/powerpoint/2010/main" val="3470834721"/>
       </p:ext>
     </p:extLst>
   </p:cSld>
@@ -2470,7 +2470,7 @@
           <p:cNvPr id="2" name="标题 1">
             <a:extLst>
               <a:ext uri="{FF2B5EF4-FFF2-40B4-BE49-F238E27FC236}">
-                <a16:creationId xmlns:a16="http://schemas.microsoft.com/office/drawing/2014/main" id="{E1303451-057C-830B-16E0-12D271546FB5}"/>
+                <a16:creationId xmlns:a16="http://schemas.microsoft.com/office/drawing/2014/main" id="{D8A3D8EF-67EA-109B-E232-0F0B9D8A316C}"/>
               </a:ext>
             </a:extLst>
           </p:cNvPr>
@@ -2507,7 +2507,7 @@
           <p:cNvPr id="3" name="图片占位符 2">
             <a:extLst>
               <a:ext uri="{FF2B5EF4-FFF2-40B4-BE49-F238E27FC236}">
-                <a16:creationId xmlns:a16="http://schemas.microsoft.com/office/drawing/2014/main" id="{06764A14-EFB8-DB4A-EF51-000514272C56}"/>
+                <a16:creationId xmlns:a16="http://schemas.microsoft.com/office/drawing/2014/main" id="{3D8AF8D6-46E3-06C6-61B6-9AF044762C62}"/>
               </a:ext>
             </a:extLst>
           </p:cNvPr>
@@ -2574,7 +2574,7 @@
           <p:cNvPr id="4" name="文本占位符 3">
             <a:extLst>
               <a:ext uri="{FF2B5EF4-FFF2-40B4-BE49-F238E27FC236}">
-                <a16:creationId xmlns:a16="http://schemas.microsoft.com/office/drawing/2014/main" id="{E1EECFE9-0B5B-DF59-AFCC-31E02BB624E0}"/>
+                <a16:creationId xmlns:a16="http://schemas.microsoft.com/office/drawing/2014/main" id="{5C74904E-B5F1-51C1-17B3-DF645D899A90}"/>
               </a:ext>
             </a:extLst>
           </p:cNvPr>
@@ -2645,7 +2645,7 @@
           <p:cNvPr id="5" name="日期占位符 4">
             <a:extLst>
               <a:ext uri="{FF2B5EF4-FFF2-40B4-BE49-F238E27FC236}">
-                <a16:creationId xmlns:a16="http://schemas.microsoft.com/office/drawing/2014/main" id="{1C467511-7B3A-68F0-E70A-C35FACAA218B}"/>
+                <a16:creationId xmlns:a16="http://schemas.microsoft.com/office/drawing/2014/main" id="{98117AF7-6195-112E-8DDE-33D66EDEA935}"/>
               </a:ext>
             </a:extLst>
           </p:cNvPr>
@@ -2661,7 +2661,7 @@
           <a:bodyPr/>
           <a:lstStyle/>
           <a:p>
-            <a:fld id="{79D87909-4246-49AF-B91B-D0F8F111FBCA}" type="datetimeFigureOut">
+            <a:fld id="{35C0004D-37E7-40F3-B33E-C839B094E04E}" type="datetimeFigureOut">
               <a:rPr lang="zh-CN" altLang="en-US" smtClean="0"/>
               <a:t>2024/3/10</a:t>
             </a:fld>
@@ -2674,7 +2674,7 @@
           <p:cNvPr id="6" name="页脚占位符 5">
             <a:extLst>
               <a:ext uri="{FF2B5EF4-FFF2-40B4-BE49-F238E27FC236}">
-                <a16:creationId xmlns:a16="http://schemas.microsoft.com/office/drawing/2014/main" id="{B808D40D-575A-0D58-1926-813EB21FC97D}"/>
+                <a16:creationId xmlns:a16="http://schemas.microsoft.com/office/drawing/2014/main" id="{B83DD583-6E92-B439-ABAB-2737644201F8}"/>
               </a:ext>
             </a:extLst>
           </p:cNvPr>
@@ -2699,7 +2699,7 @@
           <p:cNvPr id="7" name="灯片编号占位符 6">
             <a:extLst>
               <a:ext uri="{FF2B5EF4-FFF2-40B4-BE49-F238E27FC236}">
-                <a16:creationId xmlns:a16="http://schemas.microsoft.com/office/drawing/2014/main" id="{0DA36B13-A57D-EBB8-92AB-24773B1C24E2}"/>
+                <a16:creationId xmlns:a16="http://schemas.microsoft.com/office/drawing/2014/main" id="{EBC3EB55-223E-DFA2-67F6-013FB8F3BA17}"/>
               </a:ext>
             </a:extLst>
           </p:cNvPr>
@@ -2715,7 +2715,7 @@
           <a:bodyPr/>
           <a:lstStyle/>
           <a:p>
-            <a:fld id="{8D85AEBB-5612-4236-B913-E29D7EDC9377}" type="slidenum">
+            <a:fld id="{53C6DD8B-314D-4A92-A73E-1A177B333B66}" type="slidenum">
               <a:rPr lang="zh-CN" altLang="en-US" smtClean="0"/>
               <a:t>‹#›</a:t>
             </a:fld>
@@ -2726,7 +2726,7 @@
     </p:spTree>
     <p:extLst>
       <p:ext uri="{BB962C8B-B14F-4D97-AF65-F5344CB8AC3E}">
-        <p14:creationId xmlns:p14="http://schemas.microsoft.com/office/powerpoint/2010/main" val="4040320074"/>
+        <p14:creationId xmlns:p14="http://schemas.microsoft.com/office/powerpoint/2010/main" val="3484286925"/>
       </p:ext>
     </p:extLst>
   </p:cSld>
@@ -2763,7 +2763,7 @@
           <p:cNvPr id="2" name="标题占位符 1">
             <a:extLst>
               <a:ext uri="{FF2B5EF4-FFF2-40B4-BE49-F238E27FC236}">
-                <a16:creationId xmlns:a16="http://schemas.microsoft.com/office/drawing/2014/main" id="{DDFAFBF5-A3EA-7331-542B-D87A2FE9696D}"/>
+                <a16:creationId xmlns:a16="http://schemas.microsoft.com/office/drawing/2014/main" id="{C2912A60-3556-BF24-BA49-1E619FC207A3}"/>
               </a:ext>
             </a:extLst>
           </p:cNvPr>
@@ -2801,7 +2801,7 @@
           <p:cNvPr id="3" name="文本占位符 2">
             <a:extLst>
               <a:ext uri="{FF2B5EF4-FFF2-40B4-BE49-F238E27FC236}">
-                <a16:creationId xmlns:a16="http://schemas.microsoft.com/office/drawing/2014/main" id="{FBCD2205-7874-CAE7-41DE-654C1E205B38}"/>
+                <a16:creationId xmlns:a16="http://schemas.microsoft.com/office/drawing/2014/main" id="{D4B665FC-1536-4D46-BFB9-269F498FA82F}"/>
               </a:ext>
             </a:extLst>
           </p:cNvPr>
@@ -2868,7 +2868,7 @@
           <p:cNvPr id="4" name="日期占位符 3">
             <a:extLst>
               <a:ext uri="{FF2B5EF4-FFF2-40B4-BE49-F238E27FC236}">
-                <a16:creationId xmlns:a16="http://schemas.microsoft.com/office/drawing/2014/main" id="{B7C87CAB-CAB1-D412-DC0A-B796B7DE9AF4}"/>
+                <a16:creationId xmlns:a16="http://schemas.microsoft.com/office/drawing/2014/main" id="{8652746B-058F-AD32-894C-9DE386083A5C}"/>
               </a:ext>
             </a:extLst>
           </p:cNvPr>
@@ -2902,7 +2902,7 @@
             </a:lvl1pPr>
           </a:lstStyle>
           <a:p>
-            <a:fld id="{79D87909-4246-49AF-B91B-D0F8F111FBCA}" type="datetimeFigureOut">
+            <a:fld id="{35C0004D-37E7-40F3-B33E-C839B094E04E}" type="datetimeFigureOut">
               <a:rPr lang="zh-CN" altLang="en-US" smtClean="0"/>
               <a:t>2024/3/10</a:t>
             </a:fld>
@@ -2915,7 +2915,7 @@
           <p:cNvPr id="5" name="页脚占位符 4">
             <a:extLst>
               <a:ext uri="{FF2B5EF4-FFF2-40B4-BE49-F238E27FC236}">
-                <a16:creationId xmlns:a16="http://schemas.microsoft.com/office/drawing/2014/main" id="{6C801C6B-9EE3-B938-0E94-8CAA9466B065}"/>
+                <a16:creationId xmlns:a16="http://schemas.microsoft.com/office/drawing/2014/main" id="{3D4BC3E0-E9CA-5F61-A0BB-E9D60EB1C97B}"/>
               </a:ext>
             </a:extLst>
           </p:cNvPr>
@@ -2958,7 +2958,7 @@
           <p:cNvPr id="6" name="灯片编号占位符 5">
             <a:extLst>
               <a:ext uri="{FF2B5EF4-FFF2-40B4-BE49-F238E27FC236}">
-                <a16:creationId xmlns:a16="http://schemas.microsoft.com/office/drawing/2014/main" id="{74EB9139-1DD4-260C-B645-3F6772A0ED73}"/>
+                <a16:creationId xmlns:a16="http://schemas.microsoft.com/office/drawing/2014/main" id="{A34CF4B2-5391-1467-0118-A98D80B53966}"/>
               </a:ext>
             </a:extLst>
           </p:cNvPr>
@@ -2992,7 +2992,7 @@
             </a:lvl1pPr>
           </a:lstStyle>
           <a:p>
-            <a:fld id="{8D85AEBB-5612-4236-B913-E29D7EDC9377}" type="slidenum">
+            <a:fld id="{53C6DD8B-314D-4A92-A73E-1A177B333B66}" type="slidenum">
               <a:rPr lang="zh-CN" altLang="en-US" smtClean="0"/>
               <a:t>‹#›</a:t>
             </a:fld>
@@ -3003,7 +3003,7 @@
     </p:spTree>
     <p:extLst>
       <p:ext uri="{BB962C8B-B14F-4D97-AF65-F5344CB8AC3E}">
-        <p14:creationId xmlns:p14="http://schemas.microsoft.com/office/powerpoint/2010/main" val="3060613768"/>
+        <p14:creationId xmlns:p14="http://schemas.microsoft.com/office/powerpoint/2010/main" val="2576720934"/>
       </p:ext>
     </p:extLst>
   </p:cSld>
@@ -3323,7 +3323,7 @@
       </p:grpSpPr>
       <p:pic>
         <p:nvPicPr>
-          <p:cNvPr id="1475586" name="Picture 2" descr="1440"/>
+          <p:cNvPr id="1476610" name="Picture 2" descr="1441"/>
           <p:cNvPicPr>
             <a:picLocks noChangeAspect="1" noChangeArrowheads="1"/>
           </p:cNvPicPr>
@@ -3344,8 +3344,8 @@
         </p:blipFill>
         <p:spPr bwMode="auto">
           <a:xfrm>
-            <a:off x="1524000" y="0"/>
-            <a:ext cx="9144000" cy="6858000"/>
+            <a:off x="1543050" y="1"/>
+            <a:ext cx="9124950" cy="6843713"/>
           </a:xfrm>
           <a:prstGeom prst="rect">
             <a:avLst/>
